--- a/pnmr setup.pptx
+++ b/pnmr setup.pptx
@@ -288,7 +288,7 @@
           <a:p>
             <a:fld id="{400BC2AB-EF19-C848-9E23-4F2B1ED2E129}" type="datetimeFigureOut">
               <a:rPr lang="en-US" smtClean="0"/>
-              <a:t>6/9/16</a:t>
+              <a:t>6/12/16</a:t>
             </a:fld>
             <a:endParaRPr lang="en-US"/>
           </a:p>
@@ -458,7 +458,7 @@
           <a:p>
             <a:fld id="{400BC2AB-EF19-C848-9E23-4F2B1ED2E129}" type="datetimeFigureOut">
               <a:rPr lang="en-US" smtClean="0"/>
-              <a:t>6/9/16</a:t>
+              <a:t>6/12/16</a:t>
             </a:fld>
             <a:endParaRPr lang="en-US"/>
           </a:p>
@@ -638,7 +638,7 @@
           <a:p>
             <a:fld id="{400BC2AB-EF19-C848-9E23-4F2B1ED2E129}" type="datetimeFigureOut">
               <a:rPr lang="en-US" smtClean="0"/>
-              <a:t>6/9/16</a:t>
+              <a:t>6/12/16</a:t>
             </a:fld>
             <a:endParaRPr lang="en-US"/>
           </a:p>
@@ -808,7 +808,7 @@
           <a:p>
             <a:fld id="{400BC2AB-EF19-C848-9E23-4F2B1ED2E129}" type="datetimeFigureOut">
               <a:rPr lang="en-US" smtClean="0"/>
-              <a:t>6/9/16</a:t>
+              <a:t>6/12/16</a:t>
             </a:fld>
             <a:endParaRPr lang="en-US"/>
           </a:p>
@@ -1054,7 +1054,7 @@
           <a:p>
             <a:fld id="{400BC2AB-EF19-C848-9E23-4F2B1ED2E129}" type="datetimeFigureOut">
               <a:rPr lang="en-US" smtClean="0"/>
-              <a:t>6/9/16</a:t>
+              <a:t>6/12/16</a:t>
             </a:fld>
             <a:endParaRPr lang="en-US"/>
           </a:p>
@@ -1342,7 +1342,7 @@
           <a:p>
             <a:fld id="{400BC2AB-EF19-C848-9E23-4F2B1ED2E129}" type="datetimeFigureOut">
               <a:rPr lang="en-US" smtClean="0"/>
-              <a:t>6/9/16</a:t>
+              <a:t>6/12/16</a:t>
             </a:fld>
             <a:endParaRPr lang="en-US"/>
           </a:p>
@@ -1764,7 +1764,7 @@
           <a:p>
             <a:fld id="{400BC2AB-EF19-C848-9E23-4F2B1ED2E129}" type="datetimeFigureOut">
               <a:rPr lang="en-US" smtClean="0"/>
-              <a:t>6/9/16</a:t>
+              <a:t>6/12/16</a:t>
             </a:fld>
             <a:endParaRPr lang="en-US"/>
           </a:p>
@@ -1882,7 +1882,7 @@
           <a:p>
             <a:fld id="{400BC2AB-EF19-C848-9E23-4F2B1ED2E129}" type="datetimeFigureOut">
               <a:rPr lang="en-US" smtClean="0"/>
-              <a:t>6/9/16</a:t>
+              <a:t>6/12/16</a:t>
             </a:fld>
             <a:endParaRPr lang="en-US"/>
           </a:p>
@@ -1977,7 +1977,7 @@
           <a:p>
             <a:fld id="{400BC2AB-EF19-C848-9E23-4F2B1ED2E129}" type="datetimeFigureOut">
               <a:rPr lang="en-US" smtClean="0"/>
-              <a:t>6/9/16</a:t>
+              <a:t>6/12/16</a:t>
             </a:fld>
             <a:endParaRPr lang="en-US"/>
           </a:p>
@@ -2254,7 +2254,7 @@
           <a:p>
             <a:fld id="{400BC2AB-EF19-C848-9E23-4F2B1ED2E129}" type="datetimeFigureOut">
               <a:rPr lang="en-US" smtClean="0"/>
-              <a:t>6/9/16</a:t>
+              <a:t>6/12/16</a:t>
             </a:fld>
             <a:endParaRPr lang="en-US"/>
           </a:p>
@@ -2507,7 +2507,7 @@
           <a:p>
             <a:fld id="{400BC2AB-EF19-C848-9E23-4F2B1ED2E129}" type="datetimeFigureOut">
               <a:rPr lang="en-US" smtClean="0"/>
-              <a:t>6/9/16</a:t>
+              <a:t>6/12/16</a:t>
             </a:fld>
             <a:endParaRPr lang="en-US"/>
           </a:p>
@@ -2720,7 +2720,7 @@
           <a:p>
             <a:fld id="{400BC2AB-EF19-C848-9E23-4F2B1ED2E129}" type="datetimeFigureOut">
               <a:rPr lang="en-US" smtClean="0"/>
-              <a:t>6/9/16</a:t>
+              <a:t>6/12/16</a:t>
             </a:fld>
             <a:endParaRPr lang="en-US"/>
           </a:p>
@@ -3587,7 +3587,6 @@
               <a:rPr lang="en-US" dirty="0"/>
               <a:t>L</a:t>
             </a:r>
-            <a:endParaRPr lang="en-US" dirty="0"/>
           </a:p>
         </p:txBody>
       </p:sp>
@@ -3907,7 +3906,7 @@
         </p:nvSpPr>
         <p:spPr>
           <a:xfrm>
-            <a:off x="3866965" y="5541079"/>
+            <a:off x="4402255" y="5541079"/>
             <a:ext cx="1062756" cy="369332"/>
           </a:xfrm>
           <a:prstGeom prst="rect">
@@ -3944,13 +3943,14 @@
           <p:cNvPr id="75" name="Straight Arrow Connector 74"/>
           <p:cNvCxnSpPr>
             <a:stCxn id="68" idx="3"/>
+            <a:endCxn id="73" idx="1"/>
           </p:cNvCxnSpPr>
           <p:nvPr/>
         </p:nvCxnSpPr>
         <p:spPr>
           <a:xfrm>
             <a:off x="3138427" y="5725745"/>
-            <a:ext cx="728538" cy="0"/>
+            <a:ext cx="1263828" cy="0"/>
           </a:xfrm>
           <a:prstGeom prst="straightConnector1">
             <a:avLst/>
@@ -4010,42 +4010,6 @@
           </a:p>
         </p:txBody>
       </p:sp>
-      <p:cxnSp>
-        <p:nvCxnSpPr>
-          <p:cNvPr id="79" name="Elbow Connector 78"/>
-          <p:cNvCxnSpPr>
-            <a:stCxn id="73" idx="2"/>
-            <a:endCxn id="77" idx="3"/>
-          </p:cNvCxnSpPr>
-          <p:nvPr/>
-        </p:nvCxnSpPr>
-        <p:spPr>
-          <a:xfrm rot="5400000">
-            <a:off x="3288414" y="5161838"/>
-            <a:ext cx="361356" cy="1858502"/>
-          </a:xfrm>
-          <a:prstGeom prst="bentConnector2">
-            <a:avLst/>
-          </a:prstGeom>
-          <a:ln w="19050" cmpd="sng">
-            <a:tailEnd type="arrow"/>
-          </a:ln>
-        </p:spPr>
-        <p:style>
-          <a:lnRef idx="3">
-            <a:schemeClr val="accent6"/>
-          </a:lnRef>
-          <a:fillRef idx="0">
-            <a:schemeClr val="accent6"/>
-          </a:fillRef>
-          <a:effectRef idx="2">
-            <a:schemeClr val="accent6"/>
-          </a:effectRef>
-          <a:fontRef idx="minor">
-            <a:schemeClr val="tx1"/>
-          </a:fontRef>
-        </p:style>
-      </p:cxnSp>
       <p:sp>
         <p:nvSpPr>
           <p:cNvPr id="80" name="TextBox 79"/>
@@ -4606,6 +4570,113 @@
           <a:xfrm>
             <a:off x="2210921" y="2486087"/>
             <a:ext cx="0" cy="607000"/>
+          </a:xfrm>
+          <a:prstGeom prst="straightConnector1">
+            <a:avLst/>
+          </a:prstGeom>
+          <a:ln w="19050" cmpd="sng">
+            <a:tailEnd type="arrow"/>
+          </a:ln>
+        </p:spPr>
+        <p:style>
+          <a:lnRef idx="3">
+            <a:schemeClr val="accent6"/>
+          </a:lnRef>
+          <a:fillRef idx="0">
+            <a:schemeClr val="accent6"/>
+          </a:fillRef>
+          <a:effectRef idx="2">
+            <a:schemeClr val="accent6"/>
+          </a:effectRef>
+          <a:fontRef idx="minor">
+            <a:schemeClr val="tx1"/>
+          </a:fontRef>
+        </p:style>
+      </p:cxnSp>
+      <p:sp>
+        <p:nvSpPr>
+          <p:cNvPr id="3" name="TextBox 2"/>
+          <p:cNvSpPr txBox="1"/>
+          <p:nvPr/>
+        </p:nvSpPr>
+        <p:spPr>
+          <a:xfrm>
+            <a:off x="3213083" y="6087102"/>
+            <a:ext cx="827253" cy="369332"/>
+          </a:xfrm>
+          <a:prstGeom prst="rect">
+            <a:avLst/>
+          </a:prstGeom>
+          <a:noFill/>
+          <a:ln>
+            <a:solidFill>
+              <a:schemeClr val="tx1"/>
+            </a:solidFill>
+          </a:ln>
+        </p:spPr>
+        <p:txBody>
+          <a:bodyPr wrap="square" rtlCol="0">
+            <a:spAutoFit/>
+          </a:bodyPr>
+          <a:lstStyle/>
+          <a:p>
+            <a:pPr algn="ctr"/>
+            <a:r>
+              <a:rPr lang="en-US" dirty="0" smtClean="0"/>
+              <a:t>SCOPE</a:t>
+            </a:r>
+          </a:p>
+        </p:txBody>
+      </p:sp>
+      <p:cxnSp>
+        <p:nvCxnSpPr>
+          <p:cNvPr id="5" name="Elbow Connector 4"/>
+          <p:cNvCxnSpPr>
+            <a:stCxn id="73" idx="2"/>
+            <a:endCxn id="3" idx="3"/>
+          </p:cNvCxnSpPr>
+          <p:nvPr/>
+        </p:nvCxnSpPr>
+        <p:spPr>
+          <a:xfrm rot="5400000">
+            <a:off x="4306307" y="5644441"/>
+            <a:ext cx="361357" cy="893297"/>
+          </a:xfrm>
+          <a:prstGeom prst="bentConnector2">
+            <a:avLst/>
+          </a:prstGeom>
+          <a:ln w="19050" cmpd="sng">
+            <a:tailEnd type="arrow"/>
+          </a:ln>
+        </p:spPr>
+        <p:style>
+          <a:lnRef idx="3">
+            <a:schemeClr val="accent6"/>
+          </a:lnRef>
+          <a:fillRef idx="0">
+            <a:schemeClr val="accent6"/>
+          </a:fillRef>
+          <a:effectRef idx="2">
+            <a:schemeClr val="accent6"/>
+          </a:effectRef>
+          <a:fontRef idx="minor">
+            <a:schemeClr val="tx1"/>
+          </a:fontRef>
+        </p:style>
+      </p:cxnSp>
+      <p:cxnSp>
+        <p:nvCxnSpPr>
+          <p:cNvPr id="9" name="Straight Arrow Connector 8"/>
+          <p:cNvCxnSpPr>
+            <a:stCxn id="3" idx="1"/>
+            <a:endCxn id="77" idx="3"/>
+          </p:cNvCxnSpPr>
+          <p:nvPr/>
+        </p:nvCxnSpPr>
+        <p:spPr>
+          <a:xfrm flipH="1" flipV="1">
+            <a:off x="2539841" y="6271767"/>
+            <a:ext cx="673242" cy="1"/>
           </a:xfrm>
           <a:prstGeom prst="straightConnector1">
             <a:avLst/>
